--- a/Offline/BusinessManagement/Website/Antech/try.pptx
+++ b/Offline/BusinessManagement/Website/Antech/try.pptx
@@ -6,9 +6,8 @@
   </p:sldMasterIdLst>
   <p:sldIdLst>
     <p:sldId id="256" r:id="rId2"/>
-    <p:sldId id="259" r:id="rId3"/>
-    <p:sldId id="258" r:id="rId4"/>
-    <p:sldId id="257" r:id="rId5"/>
+    <p:sldId id="258" r:id="rId3"/>
+    <p:sldId id="257" r:id="rId4"/>
   </p:sldIdLst>
   <p:sldSz cx="9601200" cy="6858000"/>
   <p:notesSz cx="6858000" cy="9144000"/>
@@ -246,7 +245,7 @@
           <a:p>
             <a:fld id="{6089C788-BD7A-464A-BA83-EDA42627DDC4}" type="datetimeFigureOut">
               <a:rPr lang="en-US" smtClean="0"/>
-              <a:t>2/2/2024</a:t>
+              <a:t>2/7/2024</a:t>
             </a:fld>
             <a:endParaRPr lang="en-US"/>
           </a:p>
@@ -416,7 +415,7 @@
           <a:p>
             <a:fld id="{6089C788-BD7A-464A-BA83-EDA42627DDC4}" type="datetimeFigureOut">
               <a:rPr lang="en-US" smtClean="0"/>
-              <a:t>2/2/2024</a:t>
+              <a:t>2/7/2024</a:t>
             </a:fld>
             <a:endParaRPr lang="en-US"/>
           </a:p>
@@ -596,7 +595,7 @@
           <a:p>
             <a:fld id="{6089C788-BD7A-464A-BA83-EDA42627DDC4}" type="datetimeFigureOut">
               <a:rPr lang="en-US" smtClean="0"/>
-              <a:t>2/2/2024</a:t>
+              <a:t>2/7/2024</a:t>
             </a:fld>
             <a:endParaRPr lang="en-US"/>
           </a:p>
@@ -766,7 +765,7 @@
           <a:p>
             <a:fld id="{6089C788-BD7A-464A-BA83-EDA42627DDC4}" type="datetimeFigureOut">
               <a:rPr lang="en-US" smtClean="0"/>
-              <a:t>2/2/2024</a:t>
+              <a:t>2/7/2024</a:t>
             </a:fld>
             <a:endParaRPr lang="en-US"/>
           </a:p>
@@ -1010,7 +1009,7 @@
           <a:p>
             <a:fld id="{6089C788-BD7A-464A-BA83-EDA42627DDC4}" type="datetimeFigureOut">
               <a:rPr lang="en-US" smtClean="0"/>
-              <a:t>2/2/2024</a:t>
+              <a:t>2/7/2024</a:t>
             </a:fld>
             <a:endParaRPr lang="en-US"/>
           </a:p>
@@ -1242,7 +1241,7 @@
           <a:p>
             <a:fld id="{6089C788-BD7A-464A-BA83-EDA42627DDC4}" type="datetimeFigureOut">
               <a:rPr lang="en-US" smtClean="0"/>
-              <a:t>2/2/2024</a:t>
+              <a:t>2/7/2024</a:t>
             </a:fld>
             <a:endParaRPr lang="en-US"/>
           </a:p>
@@ -1609,7 +1608,7 @@
           <a:p>
             <a:fld id="{6089C788-BD7A-464A-BA83-EDA42627DDC4}" type="datetimeFigureOut">
               <a:rPr lang="en-US" smtClean="0"/>
-              <a:t>2/2/2024</a:t>
+              <a:t>2/7/2024</a:t>
             </a:fld>
             <a:endParaRPr lang="en-US"/>
           </a:p>
@@ -1727,7 +1726,7 @@
           <a:p>
             <a:fld id="{6089C788-BD7A-464A-BA83-EDA42627DDC4}" type="datetimeFigureOut">
               <a:rPr lang="en-US" smtClean="0"/>
-              <a:t>2/2/2024</a:t>
+              <a:t>2/7/2024</a:t>
             </a:fld>
             <a:endParaRPr lang="en-US"/>
           </a:p>
@@ -1822,7 +1821,7 @@
           <a:p>
             <a:fld id="{6089C788-BD7A-464A-BA83-EDA42627DDC4}" type="datetimeFigureOut">
               <a:rPr lang="en-US" smtClean="0"/>
-              <a:t>2/2/2024</a:t>
+              <a:t>2/7/2024</a:t>
             </a:fld>
             <a:endParaRPr lang="en-US"/>
           </a:p>
@@ -2099,7 +2098,7 @@
           <a:p>
             <a:fld id="{6089C788-BD7A-464A-BA83-EDA42627DDC4}" type="datetimeFigureOut">
               <a:rPr lang="en-US" smtClean="0"/>
-              <a:t>2/2/2024</a:t>
+              <a:t>2/7/2024</a:t>
             </a:fld>
             <a:endParaRPr lang="en-US"/>
           </a:p>
@@ -2356,7 +2355,7 @@
           <a:p>
             <a:fld id="{6089C788-BD7A-464A-BA83-EDA42627DDC4}" type="datetimeFigureOut">
               <a:rPr lang="en-US" smtClean="0"/>
-              <a:t>2/2/2024</a:t>
+              <a:t>2/7/2024</a:t>
             </a:fld>
             <a:endParaRPr lang="en-US"/>
           </a:p>
@@ -2569,7 +2568,7 @@
           <a:p>
             <a:fld id="{6089C788-BD7A-464A-BA83-EDA42627DDC4}" type="datetimeFigureOut">
               <a:rPr lang="en-US" smtClean="0"/>
-              <a:t>2/2/2024</a:t>
+              <a:t>2/7/2024</a:t>
             </a:fld>
             <a:endParaRPr lang="en-US"/>
           </a:p>
@@ -3094,72 +3093,6 @@
       </p:grpSpPr>
       <p:pic>
         <p:nvPicPr>
-          <p:cNvPr id="17" name="Picture 16">
-            <a:extLst>
-              <a:ext uri="{FF2B5EF4-FFF2-40B4-BE49-F238E27FC236}">
-                <a16:creationId xmlns:a16="http://schemas.microsoft.com/office/drawing/2014/main" id="{8BE0275B-0988-B1FF-9230-3730E8FB1E24}"/>
-              </a:ext>
-            </a:extLst>
-          </p:cNvPr>
-          <p:cNvPicPr>
-            <a:picLocks noChangeAspect="1"/>
-          </p:cNvPicPr>
-          <p:nvPr/>
-        </p:nvPicPr>
-        <p:blipFill>
-          <a:blip r:embed="rId2">
-            <a:extLst>
-              <a:ext uri="{28A0092B-C50C-407E-A947-70E740481C1C}">
-                <a14:useLocalDpi xmlns:a14="http://schemas.microsoft.com/office/drawing/2010/main" val="0"/>
-              </a:ext>
-            </a:extLst>
-          </a:blip>
-          <a:stretch>
-            <a:fillRect/>
-          </a:stretch>
-        </p:blipFill>
-        <p:spPr>
-          <a:xfrm>
-            <a:off x="0" y="0"/>
-            <a:ext cx="9601200" cy="6858000"/>
-          </a:xfrm>
-          <a:prstGeom prst="rect">
-            <a:avLst/>
-          </a:prstGeom>
-        </p:spPr>
-      </p:pic>
-    </p:spTree>
-    <p:extLst>
-      <p:ext uri="{BB962C8B-B14F-4D97-AF65-F5344CB8AC3E}">
-        <p14:creationId xmlns:p14="http://schemas.microsoft.com/office/powerpoint/2010/main" val="3216283848"/>
-      </p:ext>
-    </p:extLst>
-  </p:cSld>
-  <p:clrMapOvr>
-    <a:masterClrMapping/>
-  </p:clrMapOvr>
-</p:sld>
-</file>
-
-<file path=ppt/slides/slide3.xml><?xml version="1.0" encoding="utf-8"?>
-<p:sld xmlns:a="http://schemas.openxmlformats.org/drawingml/2006/main" xmlns:r="http://schemas.openxmlformats.org/officeDocument/2006/relationships" xmlns:p="http://schemas.openxmlformats.org/presentationml/2006/main">
-  <p:cSld>
-    <p:spTree>
-      <p:nvGrpSpPr>
-        <p:cNvPr id="1" name=""/>
-        <p:cNvGrpSpPr/>
-        <p:nvPr/>
-      </p:nvGrpSpPr>
-      <p:grpSpPr>
-        <a:xfrm>
-          <a:off x="0" y="0"/>
-          <a:ext cx="0" cy="0"/>
-          <a:chOff x="0" y="0"/>
-          <a:chExt cx="0" cy="0"/>
-        </a:xfrm>
-      </p:grpSpPr>
-      <p:pic>
-        <p:nvPicPr>
           <p:cNvPr id="4" name="Picture 3">
             <a:extLst>
               <a:ext uri="{FF2B5EF4-FFF2-40B4-BE49-F238E27FC236}">
@@ -3256,8 +3189,8 @@
         </p:nvGrpSpPr>
         <p:grpSpPr>
           <a:xfrm>
-            <a:off x="4860843" y="1383147"/>
-            <a:ext cx="4356707" cy="5474853"/>
+            <a:off x="4860843" y="1668780"/>
+            <a:ext cx="4237437" cy="5189220"/>
             <a:chOff x="4860843" y="1383147"/>
             <a:chExt cx="4356707" cy="5474853"/>
           </a:xfrm>
@@ -3346,394 +3279,6 @@
           </p:spPr>
         </p:pic>
       </p:grpSp>
-      <p:grpSp>
-        <p:nvGrpSpPr>
-          <p:cNvPr id="27" name="Group 26">
-            <a:extLst>
-              <a:ext uri="{FF2B5EF4-FFF2-40B4-BE49-F238E27FC236}">
-                <a16:creationId xmlns:a16="http://schemas.microsoft.com/office/drawing/2014/main" id="{07C4655E-DCDD-7437-3F45-CA2C5695A5B0}"/>
-              </a:ext>
-            </a:extLst>
-          </p:cNvPr>
-          <p:cNvGrpSpPr/>
-          <p:nvPr/>
-        </p:nvGrpSpPr>
-        <p:grpSpPr>
-          <a:xfrm>
-            <a:off x="1512" y="3787533"/>
-            <a:ext cx="3833922" cy="1108453"/>
-            <a:chOff x="1512" y="3787533"/>
-            <a:chExt cx="3833922" cy="1108453"/>
-          </a:xfrm>
-        </p:grpSpPr>
-        <p:sp>
-          <p:nvSpPr>
-            <p:cNvPr id="23" name="Rectangle 22">
-              <a:extLst>
-                <a:ext uri="{FF2B5EF4-FFF2-40B4-BE49-F238E27FC236}">
-                  <a16:creationId xmlns:a16="http://schemas.microsoft.com/office/drawing/2014/main" id="{D2616B6B-3206-8E33-1B41-66C9F3ED2844}"/>
-                </a:ext>
-              </a:extLst>
-            </p:cNvPr>
-            <p:cNvSpPr/>
-            <p:nvPr/>
-          </p:nvSpPr>
-          <p:spPr>
-            <a:xfrm>
-              <a:off x="1512" y="3792850"/>
-              <a:ext cx="1146289" cy="566230"/>
-            </a:xfrm>
-            <a:prstGeom prst="rect">
-              <a:avLst/>
-            </a:prstGeom>
-            <a:solidFill>
-              <a:srgbClr val="023C61"/>
-            </a:solidFill>
-            <a:ln>
-              <a:noFill/>
-            </a:ln>
-          </p:spPr>
-          <p:style>
-            <a:lnRef idx="2">
-              <a:schemeClr val="accent1">
-                <a:shade val="15000"/>
-              </a:schemeClr>
-            </a:lnRef>
-            <a:fillRef idx="1">
-              <a:schemeClr val="accent1"/>
-            </a:fillRef>
-            <a:effectRef idx="0">
-              <a:schemeClr val="accent1"/>
-            </a:effectRef>
-            <a:fontRef idx="minor">
-              <a:schemeClr val="lt1"/>
-            </a:fontRef>
-          </p:style>
-          <p:txBody>
-            <a:bodyPr rtlCol="0" anchor="ctr"/>
-            <a:lstStyle/>
-            <a:p>
-              <a:pPr algn="ctr"/>
-              <a:endParaRPr lang="en-US"/>
-            </a:p>
-          </p:txBody>
-        </p:sp>
-        <p:sp>
-          <p:nvSpPr>
-            <p:cNvPr id="24" name="Rectangle 23">
-              <a:extLst>
-                <a:ext uri="{FF2B5EF4-FFF2-40B4-BE49-F238E27FC236}">
-                  <a16:creationId xmlns:a16="http://schemas.microsoft.com/office/drawing/2014/main" id="{FD91FA76-6105-C678-11E9-A58B9E050ABD}"/>
-                </a:ext>
-              </a:extLst>
-            </p:cNvPr>
-            <p:cNvSpPr/>
-            <p:nvPr/>
-          </p:nvSpPr>
-          <p:spPr>
-            <a:xfrm>
-              <a:off x="6830" y="4417152"/>
-              <a:ext cx="782931" cy="478518"/>
-            </a:xfrm>
-            <a:prstGeom prst="rect">
-              <a:avLst/>
-            </a:prstGeom>
-            <a:solidFill>
-              <a:srgbClr val="FFFFFF"/>
-            </a:solidFill>
-            <a:ln>
-              <a:noFill/>
-            </a:ln>
-          </p:spPr>
-          <p:style>
-            <a:lnRef idx="2">
-              <a:schemeClr val="accent1">
-                <a:shade val="15000"/>
-              </a:schemeClr>
-            </a:lnRef>
-            <a:fillRef idx="1">
-              <a:schemeClr val="accent1"/>
-            </a:fillRef>
-            <a:effectRef idx="0">
-              <a:schemeClr val="accent1"/>
-            </a:effectRef>
-            <a:fontRef idx="minor">
-              <a:schemeClr val="lt1"/>
-            </a:fontRef>
-          </p:style>
-          <p:txBody>
-            <a:bodyPr rtlCol="0" anchor="ctr"/>
-            <a:lstStyle/>
-            <a:p>
-              <a:pPr algn="ctr"/>
-              <a:endParaRPr lang="en-US"/>
-            </a:p>
-          </p:txBody>
-        </p:sp>
-        <p:sp>
-          <p:nvSpPr>
-            <p:cNvPr id="25" name="Rectangle 24">
-              <a:extLst>
-                <a:ext uri="{FF2B5EF4-FFF2-40B4-BE49-F238E27FC236}">
-                  <a16:creationId xmlns:a16="http://schemas.microsoft.com/office/drawing/2014/main" id="{8E372A32-ED39-25EA-93AA-594761DDF756}"/>
-                </a:ext>
-              </a:extLst>
-            </p:cNvPr>
-            <p:cNvSpPr/>
-            <p:nvPr/>
-          </p:nvSpPr>
-          <p:spPr>
-            <a:xfrm>
-              <a:off x="3188384" y="4417152"/>
-              <a:ext cx="647050" cy="478518"/>
-            </a:xfrm>
-            <a:prstGeom prst="rect">
-              <a:avLst/>
-            </a:prstGeom>
-            <a:solidFill>
-              <a:srgbClr val="FFFFFF"/>
-            </a:solidFill>
-            <a:ln>
-              <a:noFill/>
-            </a:ln>
-          </p:spPr>
-          <p:style>
-            <a:lnRef idx="2">
-              <a:schemeClr val="accent1">
-                <a:shade val="15000"/>
-              </a:schemeClr>
-            </a:lnRef>
-            <a:fillRef idx="1">
-              <a:schemeClr val="accent1"/>
-            </a:fillRef>
-            <a:effectRef idx="0">
-              <a:schemeClr val="accent1"/>
-            </a:effectRef>
-            <a:fontRef idx="minor">
-              <a:schemeClr val="lt1"/>
-            </a:fontRef>
-          </p:style>
-          <p:txBody>
-            <a:bodyPr rtlCol="0" anchor="ctr"/>
-            <a:lstStyle/>
-            <a:p>
-              <a:pPr algn="ctr"/>
-              <a:endParaRPr lang="en-US"/>
-            </a:p>
-          </p:txBody>
-        </p:sp>
-        <p:pic>
-          <p:nvPicPr>
-            <p:cNvPr id="20" name="Picture 19">
-              <a:extLst>
-                <a:ext uri="{FF2B5EF4-FFF2-40B4-BE49-F238E27FC236}">
-                  <a16:creationId xmlns:a16="http://schemas.microsoft.com/office/drawing/2014/main" id="{6EAFF8BA-B705-794A-ABB9-F8FC1CD08676}"/>
-                </a:ext>
-              </a:extLst>
-            </p:cNvPr>
-            <p:cNvPicPr>
-              <a:picLocks noChangeAspect="1"/>
-            </p:cNvPicPr>
-            <p:nvPr/>
-          </p:nvPicPr>
-          <p:blipFill>
-            <a:blip r:embed="rId5"/>
-            <a:srcRect l="3000"/>
-            <a:stretch>
-              <a:fillRect/>
-            </a:stretch>
-          </p:blipFill>
-          <p:spPr>
-            <a:xfrm>
-              <a:off x="433146" y="4417468"/>
-              <a:ext cx="3322167" cy="478518"/>
-            </a:xfrm>
-            <a:custGeom>
-              <a:avLst/>
-              <a:gdLst>
-                <a:gd name="connsiteX0" fmla="*/ 0 w 4421804"/>
-                <a:gd name="connsiteY0" fmla="*/ 0 h 636908"/>
-                <a:gd name="connsiteX1" fmla="*/ 4421804 w 4421804"/>
-                <a:gd name="connsiteY1" fmla="*/ 0 h 636908"/>
-                <a:gd name="connsiteX2" fmla="*/ 4421804 w 4421804"/>
-                <a:gd name="connsiteY2" fmla="*/ 636908 h 636908"/>
-                <a:gd name="connsiteX3" fmla="*/ 0 w 4421804"/>
-                <a:gd name="connsiteY3" fmla="*/ 636908 h 636908"/>
-              </a:gdLst>
-              <a:ahLst/>
-              <a:cxnLst>
-                <a:cxn ang="0">
-                  <a:pos x="connsiteX0" y="connsiteY0"/>
-                </a:cxn>
-                <a:cxn ang="0">
-                  <a:pos x="connsiteX1" y="connsiteY1"/>
-                </a:cxn>
-                <a:cxn ang="0">
-                  <a:pos x="connsiteX2" y="connsiteY2"/>
-                </a:cxn>
-                <a:cxn ang="0">
-                  <a:pos x="connsiteX3" y="connsiteY3"/>
-                </a:cxn>
-              </a:cxnLst>
-              <a:rect l="l" t="t" r="r" b="b"/>
-              <a:pathLst>
-                <a:path w="4421804" h="636908">
-                  <a:moveTo>
-                    <a:pt x="0" y="0"/>
-                  </a:moveTo>
-                  <a:lnTo>
-                    <a:pt x="4421804" y="0"/>
-                  </a:lnTo>
-                  <a:lnTo>
-                    <a:pt x="4421804" y="636908"/>
-                  </a:lnTo>
-                  <a:lnTo>
-                    <a:pt x="0" y="636908"/>
-                  </a:lnTo>
-                  <a:close/>
-                </a:path>
-              </a:pathLst>
-            </a:custGeom>
-            <a:solidFill>
-              <a:srgbClr val="023C61"/>
-            </a:solidFill>
-          </p:spPr>
-        </p:pic>
-        <p:sp>
-          <p:nvSpPr>
-            <p:cNvPr id="26" name="Rectangle: Rounded Corners 25">
-              <a:extLst>
-                <a:ext uri="{FF2B5EF4-FFF2-40B4-BE49-F238E27FC236}">
-                  <a16:creationId xmlns:a16="http://schemas.microsoft.com/office/drawing/2014/main" id="{C0AD4926-8567-FE1C-6A76-F4B8196FFE19}"/>
-                </a:ext>
-              </a:extLst>
-            </p:cNvPr>
-            <p:cNvSpPr/>
-            <p:nvPr/>
-          </p:nvSpPr>
-          <p:spPr>
-            <a:xfrm>
-              <a:off x="1850068" y="3787533"/>
-              <a:ext cx="1476976" cy="566230"/>
-            </a:xfrm>
-            <a:prstGeom prst="roundRect">
-              <a:avLst>
-                <a:gd name="adj" fmla="val 26927"/>
-              </a:avLst>
-            </a:prstGeom>
-            <a:solidFill>
-              <a:srgbClr val="023C61"/>
-            </a:solidFill>
-            <a:ln>
-              <a:noFill/>
-            </a:ln>
-          </p:spPr>
-          <p:style>
-            <a:lnRef idx="2">
-              <a:schemeClr val="accent1">
-                <a:shade val="15000"/>
-              </a:schemeClr>
-            </a:lnRef>
-            <a:fillRef idx="1">
-              <a:schemeClr val="accent1"/>
-            </a:fillRef>
-            <a:effectRef idx="0">
-              <a:schemeClr val="accent1"/>
-            </a:effectRef>
-            <a:fontRef idx="minor">
-              <a:schemeClr val="lt1"/>
-            </a:fontRef>
-          </p:style>
-          <p:txBody>
-            <a:bodyPr rtlCol="0" anchor="ctr"/>
-            <a:lstStyle/>
-            <a:p>
-              <a:pPr algn="ctr"/>
-              <a:endParaRPr lang="en-US"/>
-            </a:p>
-          </p:txBody>
-        </p:sp>
-        <p:pic>
-          <p:nvPicPr>
-            <p:cNvPr id="14" name="Picture 13">
-              <a:extLst>
-                <a:ext uri="{FF2B5EF4-FFF2-40B4-BE49-F238E27FC236}">
-                  <a16:creationId xmlns:a16="http://schemas.microsoft.com/office/drawing/2014/main" id="{DC30CB5C-C9BC-2689-D2C7-3E4859B66D62}"/>
-                </a:ext>
-              </a:extLst>
-            </p:cNvPr>
-            <p:cNvPicPr>
-              <a:picLocks noChangeAspect="1"/>
-            </p:cNvPicPr>
-            <p:nvPr/>
-          </p:nvPicPr>
-          <p:blipFill>
-            <a:blip r:embed="rId6">
-              <a:extLst>
-                <a:ext uri="{28A0092B-C50C-407E-A947-70E740481C1C}">
-                  <a14:useLocalDpi xmlns:a14="http://schemas.microsoft.com/office/drawing/2010/main" val="0"/>
-                </a:ext>
-              </a:extLst>
-            </a:blip>
-            <a:srcRect l="8855"/>
-            <a:stretch>
-              <a:fillRect/>
-            </a:stretch>
-          </p:blipFill>
-          <p:spPr>
-            <a:xfrm>
-              <a:off x="739071" y="3787849"/>
-              <a:ext cx="2490898" cy="566230"/>
-            </a:xfrm>
-            <a:custGeom>
-              <a:avLst/>
-              <a:gdLst>
-                <a:gd name="connsiteX0" fmla="*/ 0 w 4412779"/>
-                <a:gd name="connsiteY0" fmla="*/ 0 h 1003111"/>
-                <a:gd name="connsiteX1" fmla="*/ 4412779 w 4412779"/>
-                <a:gd name="connsiteY1" fmla="*/ 0 h 1003111"/>
-                <a:gd name="connsiteX2" fmla="*/ 4412779 w 4412779"/>
-                <a:gd name="connsiteY2" fmla="*/ 1003111 h 1003111"/>
-                <a:gd name="connsiteX3" fmla="*/ 0 w 4412779"/>
-                <a:gd name="connsiteY3" fmla="*/ 1003111 h 1003111"/>
-              </a:gdLst>
-              <a:ahLst/>
-              <a:cxnLst>
-                <a:cxn ang="0">
-                  <a:pos x="connsiteX0" y="connsiteY0"/>
-                </a:cxn>
-                <a:cxn ang="0">
-                  <a:pos x="connsiteX1" y="connsiteY1"/>
-                </a:cxn>
-                <a:cxn ang="0">
-                  <a:pos x="connsiteX2" y="connsiteY2"/>
-                </a:cxn>
-                <a:cxn ang="0">
-                  <a:pos x="connsiteX3" y="connsiteY3"/>
-                </a:cxn>
-              </a:cxnLst>
-              <a:rect l="l" t="t" r="r" b="b"/>
-              <a:pathLst>
-                <a:path w="4412779" h="1003111">
-                  <a:moveTo>
-                    <a:pt x="0" y="0"/>
-                  </a:moveTo>
-                  <a:lnTo>
-                    <a:pt x="4412779" y="0"/>
-                  </a:lnTo>
-                  <a:lnTo>
-                    <a:pt x="4412779" y="1003111"/>
-                  </a:lnTo>
-                  <a:lnTo>
-                    <a:pt x="0" y="1003111"/>
-                  </a:lnTo>
-                  <a:close/>
-                </a:path>
-              </a:pathLst>
-            </a:custGeom>
-          </p:spPr>
-        </p:pic>
-      </p:grpSp>
     </p:spTree>
     <p:extLst>
       <p:ext uri="{BB962C8B-B14F-4D97-AF65-F5344CB8AC3E}">
@@ -3747,7 +3292,7 @@
 </p:sld>
 </file>
 
-<file path=ppt/slides/slide4.xml><?xml version="1.0" encoding="utf-8"?>
+<file path=ppt/slides/slide3.xml><?xml version="1.0" encoding="utf-8"?>
 <p:sld xmlns:a="http://schemas.openxmlformats.org/drawingml/2006/main" xmlns:r="http://schemas.openxmlformats.org/officeDocument/2006/relationships" xmlns:p="http://schemas.openxmlformats.org/presentationml/2006/main">
   <p:cSld>
     <p:spTree>

--- a/Offline/BusinessManagement/Website/Antech/try.pptx
+++ b/Offline/BusinessManagement/Website/Antech/try.pptx
@@ -3135,7 +3135,7 @@
         </p:nvSpPr>
         <p:spPr>
           <a:xfrm>
-            <a:off x="0" y="0"/>
+            <a:off x="2293620" y="1254081"/>
             <a:ext cx="9601200" cy="6858000"/>
           </a:xfrm>
           <a:prstGeom prst="rect">
@@ -3189,8 +3189,8 @@
         </p:nvGrpSpPr>
         <p:grpSpPr>
           <a:xfrm>
-            <a:off x="4860843" y="1668780"/>
-            <a:ext cx="4237437" cy="5189220"/>
+            <a:off x="4733414" y="1980854"/>
+            <a:ext cx="3852215" cy="4717473"/>
             <a:chOff x="4860843" y="1383147"/>
             <a:chExt cx="4356707" cy="5474853"/>
           </a:xfrm>

--- a/Offline/BusinessManagement/Website/Antech/try.pptx
+++ b/Offline/BusinessManagement/Website/Antech/try.pptx
@@ -3309,6 +3309,96 @@
           <a:chExt cx="0" cy="0"/>
         </a:xfrm>
       </p:grpSpPr>
+      <p:pic>
+        <p:nvPicPr>
+          <p:cNvPr id="11" name="Picture 10">
+            <a:extLst>
+              <a:ext uri="{FF2B5EF4-FFF2-40B4-BE49-F238E27FC236}">
+                <a16:creationId xmlns:a16="http://schemas.microsoft.com/office/drawing/2014/main" id="{3B4297AB-25AE-75FD-4832-4A83E5107878}"/>
+              </a:ext>
+            </a:extLst>
+          </p:cNvPr>
+          <p:cNvPicPr>
+            <a:picLocks noChangeAspect="1"/>
+          </p:cNvPicPr>
+          <p:nvPr/>
+        </p:nvPicPr>
+        <p:blipFill>
+          <a:blip r:embed="rId2">
+            <a:extLst>
+              <a:ext uri="{28A0092B-C50C-407E-A947-70E740481C1C}">
+                <a14:useLocalDpi xmlns:a14="http://schemas.microsoft.com/office/drawing/2010/main" val="0"/>
+              </a:ext>
+            </a:extLst>
+          </a:blip>
+          <a:stretch>
+            <a:fillRect/>
+          </a:stretch>
+        </p:blipFill>
+        <p:spPr>
+          <a:xfrm>
+            <a:off x="0" y="1183407"/>
+            <a:ext cx="9601200" cy="4491186"/>
+          </a:xfrm>
+          <a:prstGeom prst="rect">
+            <a:avLst/>
+          </a:prstGeom>
+        </p:spPr>
+      </p:pic>
+      <p:sp>
+        <p:nvSpPr>
+          <p:cNvPr id="14" name="Rectangle 13">
+            <a:extLst>
+              <a:ext uri="{FF2B5EF4-FFF2-40B4-BE49-F238E27FC236}">
+                <a16:creationId xmlns:a16="http://schemas.microsoft.com/office/drawing/2014/main" id="{E9E94AAA-C705-E025-C2F0-CAE8B85AAF17}"/>
+              </a:ext>
+            </a:extLst>
+          </p:cNvPr>
+          <p:cNvSpPr/>
+          <p:nvPr/>
+        </p:nvSpPr>
+        <p:spPr>
+          <a:xfrm>
+            <a:off x="0" y="1183407"/>
+            <a:ext cx="9601200" cy="4491186"/>
+          </a:xfrm>
+          <a:prstGeom prst="rect">
+            <a:avLst/>
+          </a:prstGeom>
+          <a:solidFill>
+            <a:srgbClr val="FFFFFF">
+              <a:alpha val="70000"/>
+            </a:srgbClr>
+          </a:solidFill>
+          <a:ln>
+            <a:noFill/>
+          </a:ln>
+        </p:spPr>
+        <p:style>
+          <a:lnRef idx="2">
+            <a:schemeClr val="accent1">
+              <a:shade val="15000"/>
+            </a:schemeClr>
+          </a:lnRef>
+          <a:fillRef idx="1">
+            <a:schemeClr val="accent1"/>
+          </a:fillRef>
+          <a:effectRef idx="0">
+            <a:schemeClr val="accent1"/>
+          </a:effectRef>
+          <a:fontRef idx="minor">
+            <a:schemeClr val="lt1"/>
+          </a:fontRef>
+        </p:style>
+        <p:txBody>
+          <a:bodyPr rtlCol="0" anchor="ctr"/>
+          <a:lstStyle/>
+          <a:p>
+            <a:pPr algn="ctr"/>
+            <a:endParaRPr lang="en-US" dirty="0"/>
+          </a:p>
+        </p:txBody>
+      </p:sp>
     </p:spTree>
     <p:extLst>
       <p:ext uri="{BB962C8B-B14F-4D97-AF65-F5344CB8AC3E}">

--- a/Offline/BusinessManagement/Website/Antech/try.pptx
+++ b/Offline/BusinessManagement/Website/Antech/try.pptx
@@ -3093,10 +3093,10 @@
       </p:grpSpPr>
       <p:pic>
         <p:nvPicPr>
-          <p:cNvPr id="4" name="Picture 3">
+          <p:cNvPr id="16" name="Picture 15">
             <a:extLst>
               <a:ext uri="{FF2B5EF4-FFF2-40B4-BE49-F238E27FC236}">
-                <a16:creationId xmlns:a16="http://schemas.microsoft.com/office/drawing/2014/main" id="{4A0E7CF8-B232-C2A9-1D7F-9F17EBF99450}"/>
+                <a16:creationId xmlns:a16="http://schemas.microsoft.com/office/drawing/2014/main" id="{C8C4CC37-988C-403E-0068-F58752DA7200}"/>
               </a:ext>
             </a:extLst>
           </p:cNvPr>
@@ -3135,16 +3135,18 @@
         </p:nvSpPr>
         <p:spPr>
           <a:xfrm>
-            <a:off x="2293620" y="1254081"/>
+            <a:off x="0" y="0"/>
             <a:ext cx="9601200" cy="6858000"/>
           </a:xfrm>
           <a:prstGeom prst="rect">
             <a:avLst/>
           </a:prstGeom>
           <a:solidFill>
-            <a:srgbClr val="57C7EF">
-              <a:alpha val="40000"/>
-            </a:srgbClr>
+            <a:schemeClr val="accent1">
+              <a:lumMod val="60000"/>
+              <a:lumOff val="40000"/>
+              <a:alpha val="59000"/>
+            </a:schemeClr>
           </a:solidFill>
           <a:ln>
             <a:noFill/>
@@ -3189,8 +3191,8 @@
         </p:nvGrpSpPr>
         <p:grpSpPr>
           <a:xfrm>
-            <a:off x="4733414" y="1980854"/>
-            <a:ext cx="3852215" cy="4717473"/>
+            <a:off x="4677963" y="1668399"/>
+            <a:ext cx="4237437" cy="5189220"/>
             <a:chOff x="4860843" y="1383147"/>
             <a:chExt cx="4356707" cy="5474853"/>
           </a:xfrm>

--- a/Offline/BusinessManagement/Website/Antech/try.pptx
+++ b/Offline/BusinessManagement/Website/Antech/try.pptx
@@ -245,7 +245,7 @@
           <a:p>
             <a:fld id="{6089C788-BD7A-464A-BA83-EDA42627DDC4}" type="datetimeFigureOut">
               <a:rPr lang="en-US" smtClean="0"/>
-              <a:t>2/7/2024</a:t>
+              <a:t>2/8/2024</a:t>
             </a:fld>
             <a:endParaRPr lang="en-US"/>
           </a:p>
@@ -415,7 +415,7 @@
           <a:p>
             <a:fld id="{6089C788-BD7A-464A-BA83-EDA42627DDC4}" type="datetimeFigureOut">
               <a:rPr lang="en-US" smtClean="0"/>
-              <a:t>2/7/2024</a:t>
+              <a:t>2/8/2024</a:t>
             </a:fld>
             <a:endParaRPr lang="en-US"/>
           </a:p>
@@ -595,7 +595,7 @@
           <a:p>
             <a:fld id="{6089C788-BD7A-464A-BA83-EDA42627DDC4}" type="datetimeFigureOut">
               <a:rPr lang="en-US" smtClean="0"/>
-              <a:t>2/7/2024</a:t>
+              <a:t>2/8/2024</a:t>
             </a:fld>
             <a:endParaRPr lang="en-US"/>
           </a:p>
@@ -765,7 +765,7 @@
           <a:p>
             <a:fld id="{6089C788-BD7A-464A-BA83-EDA42627DDC4}" type="datetimeFigureOut">
               <a:rPr lang="en-US" smtClean="0"/>
-              <a:t>2/7/2024</a:t>
+              <a:t>2/8/2024</a:t>
             </a:fld>
             <a:endParaRPr lang="en-US"/>
           </a:p>
@@ -1009,7 +1009,7 @@
           <a:p>
             <a:fld id="{6089C788-BD7A-464A-BA83-EDA42627DDC4}" type="datetimeFigureOut">
               <a:rPr lang="en-US" smtClean="0"/>
-              <a:t>2/7/2024</a:t>
+              <a:t>2/8/2024</a:t>
             </a:fld>
             <a:endParaRPr lang="en-US"/>
           </a:p>
@@ -1241,7 +1241,7 @@
           <a:p>
             <a:fld id="{6089C788-BD7A-464A-BA83-EDA42627DDC4}" type="datetimeFigureOut">
               <a:rPr lang="en-US" smtClean="0"/>
-              <a:t>2/7/2024</a:t>
+              <a:t>2/8/2024</a:t>
             </a:fld>
             <a:endParaRPr lang="en-US"/>
           </a:p>
@@ -1608,7 +1608,7 @@
           <a:p>
             <a:fld id="{6089C788-BD7A-464A-BA83-EDA42627DDC4}" type="datetimeFigureOut">
               <a:rPr lang="en-US" smtClean="0"/>
-              <a:t>2/7/2024</a:t>
+              <a:t>2/8/2024</a:t>
             </a:fld>
             <a:endParaRPr lang="en-US"/>
           </a:p>
@@ -1726,7 +1726,7 @@
           <a:p>
             <a:fld id="{6089C788-BD7A-464A-BA83-EDA42627DDC4}" type="datetimeFigureOut">
               <a:rPr lang="en-US" smtClean="0"/>
-              <a:t>2/7/2024</a:t>
+              <a:t>2/8/2024</a:t>
             </a:fld>
             <a:endParaRPr lang="en-US"/>
           </a:p>
@@ -1821,7 +1821,7 @@
           <a:p>
             <a:fld id="{6089C788-BD7A-464A-BA83-EDA42627DDC4}" type="datetimeFigureOut">
               <a:rPr lang="en-US" smtClean="0"/>
-              <a:t>2/7/2024</a:t>
+              <a:t>2/8/2024</a:t>
             </a:fld>
             <a:endParaRPr lang="en-US"/>
           </a:p>
@@ -2098,7 +2098,7 @@
           <a:p>
             <a:fld id="{6089C788-BD7A-464A-BA83-EDA42627DDC4}" type="datetimeFigureOut">
               <a:rPr lang="en-US" smtClean="0"/>
-              <a:t>2/7/2024</a:t>
+              <a:t>2/8/2024</a:t>
             </a:fld>
             <a:endParaRPr lang="en-US"/>
           </a:p>
@@ -2355,7 +2355,7 @@
           <a:p>
             <a:fld id="{6089C788-BD7A-464A-BA83-EDA42627DDC4}" type="datetimeFigureOut">
               <a:rPr lang="en-US" smtClean="0"/>
-              <a:t>2/7/2024</a:t>
+              <a:t>2/8/2024</a:t>
             </a:fld>
             <a:endParaRPr lang="en-US"/>
           </a:p>
@@ -2568,7 +2568,7 @@
           <a:p>
             <a:fld id="{6089C788-BD7A-464A-BA83-EDA42627DDC4}" type="datetimeFigureOut">
               <a:rPr lang="en-US" smtClean="0"/>
-              <a:t>2/7/2024</a:t>
+              <a:t>2/8/2024</a:t>
             </a:fld>
             <a:endParaRPr lang="en-US"/>
           </a:p>
@@ -3091,12 +3091,64 @@
           <a:chExt cx="0" cy="0"/>
         </a:xfrm>
       </p:grpSpPr>
+      <p:sp>
+        <p:nvSpPr>
+          <p:cNvPr id="8" name="Rectangle 7">
+            <a:extLst>
+              <a:ext uri="{FF2B5EF4-FFF2-40B4-BE49-F238E27FC236}">
+                <a16:creationId xmlns:a16="http://schemas.microsoft.com/office/drawing/2014/main" id="{8D38F425-5625-694D-9FCA-B8E70A9C7F15}"/>
+              </a:ext>
+            </a:extLst>
+          </p:cNvPr>
+          <p:cNvSpPr/>
+          <p:nvPr/>
+        </p:nvSpPr>
+        <p:spPr>
+          <a:xfrm>
+            <a:off x="0" y="0"/>
+            <a:ext cx="9601200" cy="6858000"/>
+          </a:xfrm>
+          <a:prstGeom prst="rect">
+            <a:avLst/>
+          </a:prstGeom>
+          <a:solidFill>
+            <a:srgbClr val="203C64"/>
+          </a:solidFill>
+          <a:ln>
+            <a:noFill/>
+          </a:ln>
+        </p:spPr>
+        <p:style>
+          <a:lnRef idx="2">
+            <a:schemeClr val="dk1">
+              <a:shade val="15000"/>
+            </a:schemeClr>
+          </a:lnRef>
+          <a:fillRef idx="1">
+            <a:schemeClr val="dk1"/>
+          </a:fillRef>
+          <a:effectRef idx="0">
+            <a:schemeClr val="dk1"/>
+          </a:effectRef>
+          <a:fontRef idx="minor">
+            <a:schemeClr val="lt1"/>
+          </a:fontRef>
+        </p:style>
+        <p:txBody>
+          <a:bodyPr rtlCol="0" anchor="ctr"/>
+          <a:lstStyle/>
+          <a:p>
+            <a:pPr algn="ctr"/>
+            <a:endParaRPr lang="en-US"/>
+          </a:p>
+        </p:txBody>
+      </p:sp>
       <p:pic>
         <p:nvPicPr>
-          <p:cNvPr id="16" name="Picture 15">
+          <p:cNvPr id="7" name="Picture 6">
             <a:extLst>
               <a:ext uri="{FF2B5EF4-FFF2-40B4-BE49-F238E27FC236}">
-                <a16:creationId xmlns:a16="http://schemas.microsoft.com/office/drawing/2014/main" id="{C8C4CC37-988C-403E-0068-F58752DA7200}"/>
+                <a16:creationId xmlns:a16="http://schemas.microsoft.com/office/drawing/2014/main" id="{DCA013B5-7AE8-D8B7-D811-267E1E9F2BEF}"/>
               </a:ext>
             </a:extLst>
           </p:cNvPr>
@@ -3106,15 +3158,21 @@
           <p:nvPr/>
         </p:nvPicPr>
         <p:blipFill>
-          <a:blip r:embed="rId2"/>
+          <a:blip r:embed="rId2">
+            <a:extLst>
+              <a:ext uri="{28A0092B-C50C-407E-A947-70E740481C1C}">
+                <a14:useLocalDpi xmlns:a14="http://schemas.microsoft.com/office/drawing/2010/main" val="0"/>
+              </a:ext>
+            </a:extLst>
+          </a:blip>
           <a:stretch>
             <a:fillRect/>
           </a:stretch>
         </p:blipFill>
         <p:spPr>
-          <a:xfrm>
-            <a:off x="0" y="0"/>
-            <a:ext cx="9601200" cy="6858000"/>
+          <a:xfrm flipH="1">
+            <a:off x="765810" y="0"/>
+            <a:ext cx="8069580" cy="6858000"/>
           </a:xfrm>
           <a:prstGeom prst="rect">
             <a:avLst/>
@@ -3191,7 +3249,7 @@
         </p:nvGrpSpPr>
         <p:grpSpPr>
           <a:xfrm>
-            <a:off x="4677963" y="1668399"/>
+            <a:off x="4502703" y="1668780"/>
             <a:ext cx="4237437" cy="5189220"/>
             <a:chOff x="4860843" y="1383147"/>
             <a:chExt cx="4356707" cy="5474853"/>

--- a/Offline/BusinessManagement/Website/Antech/try.pptx
+++ b/Offline/BusinessManagement/Website/Antech/try.pptx
@@ -3091,58 +3091,6 @@
           <a:chExt cx="0" cy="0"/>
         </a:xfrm>
       </p:grpSpPr>
-      <p:sp>
-        <p:nvSpPr>
-          <p:cNvPr id="8" name="Rectangle 7">
-            <a:extLst>
-              <a:ext uri="{FF2B5EF4-FFF2-40B4-BE49-F238E27FC236}">
-                <a16:creationId xmlns:a16="http://schemas.microsoft.com/office/drawing/2014/main" id="{8D38F425-5625-694D-9FCA-B8E70A9C7F15}"/>
-              </a:ext>
-            </a:extLst>
-          </p:cNvPr>
-          <p:cNvSpPr/>
-          <p:nvPr/>
-        </p:nvSpPr>
-        <p:spPr>
-          <a:xfrm>
-            <a:off x="0" y="0"/>
-            <a:ext cx="9601200" cy="6858000"/>
-          </a:xfrm>
-          <a:prstGeom prst="rect">
-            <a:avLst/>
-          </a:prstGeom>
-          <a:solidFill>
-            <a:srgbClr val="203C64"/>
-          </a:solidFill>
-          <a:ln>
-            <a:noFill/>
-          </a:ln>
-        </p:spPr>
-        <p:style>
-          <a:lnRef idx="2">
-            <a:schemeClr val="dk1">
-              <a:shade val="15000"/>
-            </a:schemeClr>
-          </a:lnRef>
-          <a:fillRef idx="1">
-            <a:schemeClr val="dk1"/>
-          </a:fillRef>
-          <a:effectRef idx="0">
-            <a:schemeClr val="dk1"/>
-          </a:effectRef>
-          <a:fontRef idx="minor">
-            <a:schemeClr val="lt1"/>
-          </a:fontRef>
-        </p:style>
-        <p:txBody>
-          <a:bodyPr rtlCol="0" anchor="ctr"/>
-          <a:lstStyle/>
-          <a:p>
-            <a:pPr algn="ctr"/>
-            <a:endParaRPr lang="en-US"/>
-          </a:p>
-        </p:txBody>
-      </p:sp>
       <p:pic>
         <p:nvPicPr>
           <p:cNvPr id="7" name="Picture 6">
@@ -3193,8 +3141,8 @@
         </p:nvSpPr>
         <p:spPr>
           <a:xfrm>
-            <a:off x="0" y="0"/>
-            <a:ext cx="9601200" cy="6858000"/>
+            <a:off x="765810" y="0"/>
+            <a:ext cx="8069580" cy="6858000"/>
           </a:xfrm>
           <a:prstGeom prst="rect">
             <a:avLst/>
@@ -3249,8 +3197,8 @@
         </p:nvGrpSpPr>
         <p:grpSpPr>
           <a:xfrm>
-            <a:off x="4502703" y="1668780"/>
-            <a:ext cx="4237437" cy="5189220"/>
+            <a:off x="4001271" y="1576959"/>
+            <a:ext cx="4661181" cy="5708142"/>
             <a:chOff x="4860843" y="1383147"/>
             <a:chExt cx="4356707" cy="5474853"/>
           </a:xfrm>

--- a/Offline/BusinessManagement/Website/Antech/try.pptx
+++ b/Offline/BusinessManagement/Website/Antech/try.pptx
@@ -3148,9 +3148,8 @@
             <a:avLst/>
           </a:prstGeom>
           <a:solidFill>
-            <a:schemeClr val="accent1">
-              <a:lumMod val="60000"/>
-              <a:lumOff val="40000"/>
+            <a:schemeClr val="bg1">
+              <a:lumMod val="95000"/>
               <a:alpha val="59000"/>
             </a:schemeClr>
           </a:solidFill>
@@ -3197,8 +3196,8 @@
         </p:nvGrpSpPr>
         <p:grpSpPr>
           <a:xfrm>
-            <a:off x="4001271" y="1576959"/>
-            <a:ext cx="4661181" cy="5708142"/>
+            <a:off x="4405754" y="2133254"/>
+            <a:ext cx="3852215" cy="4717473"/>
             <a:chOff x="4860843" y="1383147"/>
             <a:chExt cx="4356707" cy="5474853"/>
           </a:xfrm>

--- a/Offline/BusinessManagement/Website/Antech/try.pptx
+++ b/Offline/BusinessManagement/Website/Antech/try.pptx
@@ -7,7 +7,8 @@
   <p:sldIdLst>
     <p:sldId id="256" r:id="rId2"/>
     <p:sldId id="258" r:id="rId3"/>
-    <p:sldId id="257" r:id="rId4"/>
+    <p:sldId id="259" r:id="rId4"/>
+    <p:sldId id="257" r:id="rId5"/>
   </p:sldIdLst>
   <p:sldSz cx="9601200" cy="6858000"/>
   <p:notesSz cx="6858000" cy="9144000"/>
@@ -3093,10 +3094,10 @@
       </p:grpSpPr>
       <p:pic>
         <p:nvPicPr>
-          <p:cNvPr id="7" name="Picture 6">
+          <p:cNvPr id="3" name="Picture 2">
             <a:extLst>
               <a:ext uri="{FF2B5EF4-FFF2-40B4-BE49-F238E27FC236}">
-                <a16:creationId xmlns:a16="http://schemas.microsoft.com/office/drawing/2014/main" id="{DCA013B5-7AE8-D8B7-D811-267E1E9F2BEF}"/>
+                <a16:creationId xmlns:a16="http://schemas.microsoft.com/office/drawing/2014/main" id="{0CA5268F-BF9D-2739-7D63-270C5EAB7630}"/>
               </a:ext>
             </a:extLst>
           </p:cNvPr>
@@ -3118,9 +3119,9 @@
           </a:stretch>
         </p:blipFill>
         <p:spPr>
-          <a:xfrm flipH="1">
-            <a:off x="765810" y="0"/>
-            <a:ext cx="8069580" cy="6858000"/>
+          <a:xfrm>
+            <a:off x="0" y="685800"/>
+            <a:ext cx="9601200" cy="5486400"/>
           </a:xfrm>
           <a:prstGeom prst="rect">
             <a:avLst/>
@@ -3141,17 +3142,16 @@
         </p:nvSpPr>
         <p:spPr>
           <a:xfrm>
-            <a:off x="765810" y="0"/>
-            <a:ext cx="8069580" cy="6858000"/>
+            <a:off x="0" y="685800"/>
+            <a:ext cx="9601200" cy="5486400"/>
           </a:xfrm>
           <a:prstGeom prst="rect">
             <a:avLst/>
           </a:prstGeom>
           <a:solidFill>
-            <a:schemeClr val="bg1">
-              <a:lumMod val="95000"/>
-              <a:alpha val="59000"/>
-            </a:schemeClr>
+            <a:srgbClr val="B2E6F8">
+              <a:alpha val="30000"/>
+            </a:srgbClr>
           </a:solidFill>
           <a:ln>
             <a:noFill/>
@@ -3184,7 +3184,7 @@
       </p:sp>
       <p:grpSp>
         <p:nvGrpSpPr>
-          <p:cNvPr id="28" name="Group 27">
+          <p:cNvPr id="4" name="Group 3">
             <a:extLst>
               <a:ext uri="{FF2B5EF4-FFF2-40B4-BE49-F238E27FC236}">
                 <a16:creationId xmlns:a16="http://schemas.microsoft.com/office/drawing/2014/main" id="{F7FE2F73-CDF0-76DC-A2D1-2E097283F268}"/>
@@ -3196,15 +3196,15 @@
         </p:nvGrpSpPr>
         <p:grpSpPr>
           <a:xfrm>
-            <a:off x="4405754" y="2133254"/>
-            <a:ext cx="3852215" cy="4717473"/>
+            <a:off x="5046558" y="1494627"/>
+            <a:ext cx="4237437" cy="5189220"/>
             <a:chOff x="4860843" y="1383147"/>
             <a:chExt cx="4356707" cy="5474853"/>
           </a:xfrm>
         </p:grpSpPr>
         <p:pic>
           <p:nvPicPr>
-            <p:cNvPr id="1028" name="Picture 4">
+            <p:cNvPr id="5" name="Picture 4">
               <a:extLst>
                 <a:ext uri="{FF2B5EF4-FFF2-40B4-BE49-F238E27FC236}">
                   <a16:creationId xmlns:a16="http://schemas.microsoft.com/office/drawing/2014/main" id="{31551394-1D53-A89B-10CB-15CDFFFB0693}"/>
@@ -3251,7 +3251,7 @@
         </p:pic>
         <p:pic>
           <p:nvPicPr>
-            <p:cNvPr id="11" name="Picture 10">
+            <p:cNvPr id="6" name="Picture 5">
               <a:extLst>
                 <a:ext uri="{FF2B5EF4-FFF2-40B4-BE49-F238E27FC236}">
                   <a16:creationId xmlns:a16="http://schemas.microsoft.com/office/drawing/2014/main" id="{55595E3A-4A3E-CA06-4E24-0EB5B7E72BA0}"/>
@@ -3300,6 +3300,78 @@
 </file>
 
 <file path=ppt/slides/slide3.xml><?xml version="1.0" encoding="utf-8"?>
+<p:sld xmlns:a="http://schemas.openxmlformats.org/drawingml/2006/main" xmlns:r="http://schemas.openxmlformats.org/officeDocument/2006/relationships" xmlns:p="http://schemas.openxmlformats.org/presentationml/2006/main">
+  <p:cSld>
+    <p:spTree>
+      <p:nvGrpSpPr>
+        <p:cNvPr id="1" name="">
+          <a:extLst>
+            <a:ext uri="{FF2B5EF4-FFF2-40B4-BE49-F238E27FC236}">
+              <a16:creationId xmlns:a16="http://schemas.microsoft.com/office/drawing/2014/main" id="{42DFCC21-911D-39CA-28F3-25C31A338663}"/>
+            </a:ext>
+          </a:extLst>
+        </p:cNvPr>
+        <p:cNvGrpSpPr/>
+        <p:nvPr/>
+      </p:nvGrpSpPr>
+      <p:grpSpPr>
+        <a:xfrm>
+          <a:off x="0" y="0"/>
+          <a:ext cx="0" cy="0"/>
+          <a:chOff x="0" y="0"/>
+          <a:chExt cx="0" cy="0"/>
+        </a:xfrm>
+      </p:grpSpPr>
+      <p:pic>
+        <p:nvPicPr>
+          <p:cNvPr id="4" name="Picture 3">
+            <a:extLst>
+              <a:ext uri="{FF2B5EF4-FFF2-40B4-BE49-F238E27FC236}">
+                <a16:creationId xmlns:a16="http://schemas.microsoft.com/office/drawing/2014/main" id="{9C265E59-0CD8-84C7-C95C-DCCDF722FFDF}"/>
+              </a:ext>
+            </a:extLst>
+          </p:cNvPr>
+          <p:cNvPicPr>
+            <a:picLocks noChangeAspect="1"/>
+          </p:cNvPicPr>
+          <p:nvPr/>
+        </p:nvPicPr>
+        <p:blipFill>
+          <a:blip r:embed="rId2">
+            <a:extLst>
+              <a:ext uri="{28A0092B-C50C-407E-A947-70E740481C1C}">
+                <a14:useLocalDpi xmlns:a14="http://schemas.microsoft.com/office/drawing/2010/main" val="0"/>
+              </a:ext>
+            </a:extLst>
+          </a:blip>
+          <a:stretch>
+            <a:fillRect/>
+          </a:stretch>
+        </p:blipFill>
+        <p:spPr>
+          <a:xfrm>
+            <a:off x="0" y="685800"/>
+            <a:ext cx="9601200" cy="5486400"/>
+          </a:xfrm>
+          <a:prstGeom prst="rect">
+            <a:avLst/>
+          </a:prstGeom>
+        </p:spPr>
+      </p:pic>
+    </p:spTree>
+    <p:extLst>
+      <p:ext uri="{BB962C8B-B14F-4D97-AF65-F5344CB8AC3E}">
+        <p14:creationId xmlns:p14="http://schemas.microsoft.com/office/powerpoint/2010/main" val="2701633438"/>
+      </p:ext>
+    </p:extLst>
+  </p:cSld>
+  <p:clrMapOvr>
+    <a:masterClrMapping/>
+  </p:clrMapOvr>
+</p:sld>
+</file>
+
+<file path=ppt/slides/slide4.xml><?xml version="1.0" encoding="utf-8"?>
 <p:sld xmlns:a="http://schemas.openxmlformats.org/drawingml/2006/main" xmlns:r="http://schemas.openxmlformats.org/officeDocument/2006/relationships" xmlns:p="http://schemas.openxmlformats.org/presentationml/2006/main">
   <p:cSld>
     <p:spTree>

--- a/Offline/BusinessManagement/Website/Antech/try.pptx
+++ b/Offline/BusinessManagement/Website/Antech/try.pptx
@@ -7,7 +7,7 @@
   <p:sldIdLst>
     <p:sldId id="256" r:id="rId2"/>
     <p:sldId id="258" r:id="rId3"/>
-    <p:sldId id="259" r:id="rId4"/>
+    <p:sldId id="260" r:id="rId4"/>
     <p:sldId id="257" r:id="rId5"/>
   </p:sldIdLst>
   <p:sldSz cx="9601200" cy="6858000"/>
@@ -3149,8 +3149,8 @@
             <a:avLst/>
           </a:prstGeom>
           <a:solidFill>
-            <a:srgbClr val="B2E6F8">
-              <a:alpha val="30000"/>
+            <a:srgbClr val="023C61">
+              <a:alpha val="33000"/>
             </a:srgbClr>
           </a:solidFill>
           <a:ln>
@@ -3196,7 +3196,7 @@
         </p:nvGrpSpPr>
         <p:grpSpPr>
           <a:xfrm>
-            <a:off x="5046558" y="1494627"/>
+            <a:off x="4055958" y="1738467"/>
             <a:ext cx="4237437" cy="5189220"/>
             <a:chOff x="4860843" y="1383147"/>
             <a:chExt cx="4356707" cy="5474853"/>
@@ -3286,6 +3286,139 @@
           </p:spPr>
         </p:pic>
       </p:grpSp>
+      <p:sp>
+        <p:nvSpPr>
+          <p:cNvPr id="2" name="Rectangle 1">
+            <a:extLst>
+              <a:ext uri="{FF2B5EF4-FFF2-40B4-BE49-F238E27FC236}">
+                <a16:creationId xmlns:a16="http://schemas.microsoft.com/office/drawing/2014/main" id="{88302C36-E1EF-63E7-9F7A-F0A2208E8048}"/>
+              </a:ext>
+            </a:extLst>
+          </p:cNvPr>
+          <p:cNvSpPr/>
+          <p:nvPr/>
+        </p:nvSpPr>
+        <p:spPr>
+          <a:xfrm>
+            <a:off x="0" y="1657350"/>
+            <a:ext cx="9601200" cy="3543300"/>
+          </a:xfrm>
+          <a:prstGeom prst="rect">
+            <a:avLst/>
+          </a:prstGeom>
+          <a:noFill/>
+          <a:ln w="76200"/>
+        </p:spPr>
+        <p:style>
+          <a:lnRef idx="2">
+            <a:schemeClr val="accent1">
+              <a:shade val="15000"/>
+            </a:schemeClr>
+          </a:lnRef>
+          <a:fillRef idx="1">
+            <a:schemeClr val="accent1"/>
+          </a:fillRef>
+          <a:effectRef idx="0">
+            <a:schemeClr val="accent1"/>
+          </a:effectRef>
+          <a:fontRef idx="minor">
+            <a:schemeClr val="lt1"/>
+          </a:fontRef>
+        </p:style>
+        <p:txBody>
+          <a:bodyPr rtlCol="0" anchor="ctr"/>
+          <a:lstStyle/>
+          <a:p>
+            <a:pPr algn="ctr"/>
+            <a:endParaRPr lang="en-US"/>
+          </a:p>
+        </p:txBody>
+      </p:sp>
+      <p:sp>
+        <p:nvSpPr>
+          <p:cNvPr id="7" name="TextBox 6">
+            <a:extLst>
+              <a:ext uri="{FF2B5EF4-FFF2-40B4-BE49-F238E27FC236}">
+                <a16:creationId xmlns:a16="http://schemas.microsoft.com/office/drawing/2014/main" id="{4D099BD3-5334-CBC7-4C38-98C39E853604}"/>
+              </a:ext>
+            </a:extLst>
+          </p:cNvPr>
+          <p:cNvSpPr txBox="1"/>
+          <p:nvPr/>
+        </p:nvSpPr>
+        <p:spPr>
+          <a:xfrm>
+            <a:off x="4747260" y="1783080"/>
+            <a:ext cx="4676280" cy="369332"/>
+          </a:xfrm>
+          <a:prstGeom prst="rect">
+            <a:avLst/>
+          </a:prstGeom>
+          <a:noFill/>
+        </p:spPr>
+        <p:txBody>
+          <a:bodyPr wrap="none" rtlCol="0">
+            <a:spAutoFit/>
+          </a:bodyPr>
+          <a:lstStyle/>
+          <a:p>
+            <a:r>
+              <a:rPr lang="en-US" b="1" dirty="0">
+                <a:solidFill>
+                  <a:schemeClr val="bg1"/>
+                </a:solidFill>
+                <a:latin typeface="Oxygen" panose="02000503000000000000" pitchFamily="2" charset="0"/>
+              </a:rPr>
+              <a:t>Home    </a:t>
+            </a:r>
+            <a:r>
+              <a:rPr lang="en-US" dirty="0">
+                <a:solidFill>
+                  <a:schemeClr val="bg1"/>
+                </a:solidFill>
+                <a:latin typeface="Oxygen" panose="02000503000000000000" pitchFamily="2" charset="0"/>
+              </a:rPr>
+              <a:t>Our Courses    Contact Us    Login</a:t>
+            </a:r>
+          </a:p>
+        </p:txBody>
+      </p:sp>
+      <p:pic>
+        <p:nvPicPr>
+          <p:cNvPr id="8" name="Picture 7">
+            <a:extLst>
+              <a:ext uri="{FF2B5EF4-FFF2-40B4-BE49-F238E27FC236}">
+                <a16:creationId xmlns:a16="http://schemas.microsoft.com/office/drawing/2014/main" id="{259194C9-E4F7-F804-575B-3530268C1D24}"/>
+              </a:ext>
+            </a:extLst>
+          </p:cNvPr>
+          <p:cNvPicPr>
+            <a:picLocks noChangeAspect="1"/>
+          </p:cNvPicPr>
+          <p:nvPr/>
+        </p:nvPicPr>
+        <p:blipFill>
+          <a:blip r:embed="rId5">
+            <a:extLst>
+              <a:ext uri="{28A0092B-C50C-407E-A947-70E740481C1C}">
+                <a14:useLocalDpi xmlns:a14="http://schemas.microsoft.com/office/drawing/2010/main" val="0"/>
+              </a:ext>
+            </a:extLst>
+          </a:blip>
+          <a:stretch>
+            <a:fillRect/>
+          </a:stretch>
+        </p:blipFill>
+        <p:spPr>
+          <a:xfrm>
+            <a:off x="335292" y="1845810"/>
+            <a:ext cx="1826081" cy="613203"/>
+          </a:xfrm>
+          <a:prstGeom prst="rect">
+            <a:avLst/>
+          </a:prstGeom>
+        </p:spPr>
+      </p:pic>
     </p:spTree>
     <p:extLst>
       <p:ext uri="{BB962C8B-B14F-4D97-AF65-F5344CB8AC3E}">
@@ -3307,7 +3440,7 @@
         <p:cNvPr id="1" name="">
           <a:extLst>
             <a:ext uri="{FF2B5EF4-FFF2-40B4-BE49-F238E27FC236}">
-              <a16:creationId xmlns:a16="http://schemas.microsoft.com/office/drawing/2014/main" id="{42DFCC21-911D-39CA-28F3-25C31A338663}"/>
+              <a16:creationId xmlns:a16="http://schemas.microsoft.com/office/drawing/2014/main" id="{3F1FA632-C859-DD17-04B5-A2D5BAF730A4}"/>
             </a:ext>
           </a:extLst>
         </p:cNvPr>
@@ -3324,10 +3457,10 @@
       </p:grpSpPr>
       <p:pic>
         <p:nvPicPr>
-          <p:cNvPr id="4" name="Picture 3">
+          <p:cNvPr id="11" name="Picture 10">
             <a:extLst>
               <a:ext uri="{FF2B5EF4-FFF2-40B4-BE49-F238E27FC236}">
-                <a16:creationId xmlns:a16="http://schemas.microsoft.com/office/drawing/2014/main" id="{9C265E59-0CD8-84C7-C95C-DCCDF722FFDF}"/>
+                <a16:creationId xmlns:a16="http://schemas.microsoft.com/office/drawing/2014/main" id="{19703F84-081B-542A-5836-EE4437BF0E4B}"/>
               </a:ext>
             </a:extLst>
           </p:cNvPr>
@@ -3361,7 +3494,7 @@
     </p:spTree>
     <p:extLst>
       <p:ext uri="{BB962C8B-B14F-4D97-AF65-F5344CB8AC3E}">
-        <p14:creationId xmlns:p14="http://schemas.microsoft.com/office/powerpoint/2010/main" val="2701633438"/>
+        <p14:creationId xmlns:p14="http://schemas.microsoft.com/office/powerpoint/2010/main" val="3901242310"/>
       </p:ext>
     </p:extLst>
   </p:cSld>

--- a/Offline/BusinessManagement/Website/Antech/try.pptx
+++ b/Offline/BusinessManagement/Website/Antech/try.pptx
@@ -246,7 +246,7 @@
           <a:p>
             <a:fld id="{6089C788-BD7A-464A-BA83-EDA42627DDC4}" type="datetimeFigureOut">
               <a:rPr lang="en-US" smtClean="0"/>
-              <a:t>2/8/2024</a:t>
+              <a:t>2/15/2024</a:t>
             </a:fld>
             <a:endParaRPr lang="en-US"/>
           </a:p>
@@ -416,7 +416,7 @@
           <a:p>
             <a:fld id="{6089C788-BD7A-464A-BA83-EDA42627DDC4}" type="datetimeFigureOut">
               <a:rPr lang="en-US" smtClean="0"/>
-              <a:t>2/8/2024</a:t>
+              <a:t>2/15/2024</a:t>
             </a:fld>
             <a:endParaRPr lang="en-US"/>
           </a:p>
@@ -596,7 +596,7 @@
           <a:p>
             <a:fld id="{6089C788-BD7A-464A-BA83-EDA42627DDC4}" type="datetimeFigureOut">
               <a:rPr lang="en-US" smtClean="0"/>
-              <a:t>2/8/2024</a:t>
+              <a:t>2/15/2024</a:t>
             </a:fld>
             <a:endParaRPr lang="en-US"/>
           </a:p>
@@ -766,7 +766,7 @@
           <a:p>
             <a:fld id="{6089C788-BD7A-464A-BA83-EDA42627DDC4}" type="datetimeFigureOut">
               <a:rPr lang="en-US" smtClean="0"/>
-              <a:t>2/8/2024</a:t>
+              <a:t>2/15/2024</a:t>
             </a:fld>
             <a:endParaRPr lang="en-US"/>
           </a:p>
@@ -1010,7 +1010,7 @@
           <a:p>
             <a:fld id="{6089C788-BD7A-464A-BA83-EDA42627DDC4}" type="datetimeFigureOut">
               <a:rPr lang="en-US" smtClean="0"/>
-              <a:t>2/8/2024</a:t>
+              <a:t>2/15/2024</a:t>
             </a:fld>
             <a:endParaRPr lang="en-US"/>
           </a:p>
@@ -1242,7 +1242,7 @@
           <a:p>
             <a:fld id="{6089C788-BD7A-464A-BA83-EDA42627DDC4}" type="datetimeFigureOut">
               <a:rPr lang="en-US" smtClean="0"/>
-              <a:t>2/8/2024</a:t>
+              <a:t>2/15/2024</a:t>
             </a:fld>
             <a:endParaRPr lang="en-US"/>
           </a:p>
@@ -1609,7 +1609,7 @@
           <a:p>
             <a:fld id="{6089C788-BD7A-464A-BA83-EDA42627DDC4}" type="datetimeFigureOut">
               <a:rPr lang="en-US" smtClean="0"/>
-              <a:t>2/8/2024</a:t>
+              <a:t>2/15/2024</a:t>
             </a:fld>
             <a:endParaRPr lang="en-US"/>
           </a:p>
@@ -1727,7 +1727,7 @@
           <a:p>
             <a:fld id="{6089C788-BD7A-464A-BA83-EDA42627DDC4}" type="datetimeFigureOut">
               <a:rPr lang="en-US" smtClean="0"/>
-              <a:t>2/8/2024</a:t>
+              <a:t>2/15/2024</a:t>
             </a:fld>
             <a:endParaRPr lang="en-US"/>
           </a:p>
@@ -1822,7 +1822,7 @@
           <a:p>
             <a:fld id="{6089C788-BD7A-464A-BA83-EDA42627DDC4}" type="datetimeFigureOut">
               <a:rPr lang="en-US" smtClean="0"/>
-              <a:t>2/8/2024</a:t>
+              <a:t>2/15/2024</a:t>
             </a:fld>
             <a:endParaRPr lang="en-US"/>
           </a:p>
@@ -2099,7 +2099,7 @@
           <a:p>
             <a:fld id="{6089C788-BD7A-464A-BA83-EDA42627DDC4}" type="datetimeFigureOut">
               <a:rPr lang="en-US" smtClean="0"/>
-              <a:t>2/8/2024</a:t>
+              <a:t>2/15/2024</a:t>
             </a:fld>
             <a:endParaRPr lang="en-US"/>
           </a:p>
@@ -2356,7 +2356,7 @@
           <a:p>
             <a:fld id="{6089C788-BD7A-464A-BA83-EDA42627DDC4}" type="datetimeFigureOut">
               <a:rPr lang="en-US" smtClean="0"/>
-              <a:t>2/8/2024</a:t>
+              <a:t>2/15/2024</a:t>
             </a:fld>
             <a:endParaRPr lang="en-US"/>
           </a:p>
@@ -2569,7 +2569,7 @@
           <a:p>
             <a:fld id="{6089C788-BD7A-464A-BA83-EDA42627DDC4}" type="datetimeFigureOut">
               <a:rPr lang="en-US" smtClean="0"/>
-              <a:t>2/8/2024</a:t>
+              <a:t>2/15/2024</a:t>
             </a:fld>
             <a:endParaRPr lang="en-US"/>
           </a:p>
@@ -3491,6 +3491,114 @@
           </a:prstGeom>
         </p:spPr>
       </p:pic>
+      <p:sp>
+        <p:nvSpPr>
+          <p:cNvPr id="6" name="Rectangle 5">
+            <a:extLst>
+              <a:ext uri="{FF2B5EF4-FFF2-40B4-BE49-F238E27FC236}">
+                <a16:creationId xmlns:a16="http://schemas.microsoft.com/office/drawing/2014/main" id="{298EFA1E-D3CB-FAD6-2C8F-E48B5447C093}"/>
+              </a:ext>
+            </a:extLst>
+          </p:cNvPr>
+          <p:cNvSpPr/>
+          <p:nvPr/>
+        </p:nvSpPr>
+        <p:spPr>
+          <a:xfrm>
+            <a:off x="0" y="685800"/>
+            <a:ext cx="9601200" cy="5486400"/>
+          </a:xfrm>
+          <a:prstGeom prst="rect">
+            <a:avLst/>
+          </a:prstGeom>
+          <a:gradFill flip="none" rotWithShape="1">
+            <a:gsLst>
+              <a:gs pos="100000">
+                <a:srgbClr val="023C61">
+                  <a:alpha val="72000"/>
+                </a:srgbClr>
+              </a:gs>
+              <a:gs pos="56000">
+                <a:srgbClr val="023C61">
+                  <a:alpha val="24000"/>
+                </a:srgbClr>
+              </a:gs>
+              <a:gs pos="78000">
+                <a:srgbClr val="203C64">
+                  <a:alpha val="66000"/>
+                </a:srgbClr>
+              </a:gs>
+            </a:gsLst>
+            <a:path path="circle">
+              <a:fillToRect l="50000" t="50000" r="50000" b="50000"/>
+            </a:path>
+            <a:tileRect/>
+          </a:gradFill>
+          <a:ln>
+            <a:noFill/>
+          </a:ln>
+        </p:spPr>
+        <p:style>
+          <a:lnRef idx="2">
+            <a:schemeClr val="accent1">
+              <a:shade val="15000"/>
+            </a:schemeClr>
+          </a:lnRef>
+          <a:fillRef idx="1">
+            <a:schemeClr val="accent1"/>
+          </a:fillRef>
+          <a:effectRef idx="0">
+            <a:schemeClr val="accent1"/>
+          </a:effectRef>
+          <a:fontRef idx="minor">
+            <a:schemeClr val="lt1"/>
+          </a:fontRef>
+        </p:style>
+        <p:txBody>
+          <a:bodyPr rtlCol="0" anchor="ctr"/>
+          <a:lstStyle/>
+          <a:p>
+            <a:pPr algn="ctr"/>
+            <a:endParaRPr lang="en-US"/>
+          </a:p>
+        </p:txBody>
+      </p:sp>
+      <p:pic>
+        <p:nvPicPr>
+          <p:cNvPr id="5" name="Picture 4">
+            <a:extLst>
+              <a:ext uri="{FF2B5EF4-FFF2-40B4-BE49-F238E27FC236}">
+                <a16:creationId xmlns:a16="http://schemas.microsoft.com/office/drawing/2014/main" id="{98124F43-386F-DB7A-E9B0-A2409E55462A}"/>
+              </a:ext>
+            </a:extLst>
+          </p:cNvPr>
+          <p:cNvPicPr>
+            <a:picLocks noChangeAspect="1"/>
+          </p:cNvPicPr>
+          <p:nvPr/>
+        </p:nvPicPr>
+        <p:blipFill>
+          <a:blip r:embed="rId2">
+            <a:extLst>
+              <a:ext uri="{28A0092B-C50C-407E-A947-70E740481C1C}">
+                <a14:useLocalDpi xmlns:a14="http://schemas.microsoft.com/office/drawing/2010/main" val="0"/>
+              </a:ext>
+            </a:extLst>
+          </a:blip>
+          <a:stretch>
+            <a:fillRect/>
+          </a:stretch>
+        </p:blipFill>
+        <p:spPr>
+          <a:xfrm>
+            <a:off x="2489533" y="2067025"/>
+            <a:ext cx="4926934" cy="2815391"/>
+          </a:xfrm>
+          <a:prstGeom prst="rect">
+            <a:avLst/>
+          </a:prstGeom>
+        </p:spPr>
+      </p:pic>
     </p:spTree>
     <p:extLst>
       <p:ext uri="{BB962C8B-B14F-4D97-AF65-F5344CB8AC3E}">
